--- a/Powerpoint/Module07-Debugging.pptx
+++ b/Powerpoint/Module07-Debugging.pptx
@@ -115,6 +115,22 @@
       </a:defRPr>
     </a:lvl9pPr>
   </p:defaultTextStyle>
+  <p:extLst>
+    <p:ext uri="{EFAFB233-063F-42B5-8137-9DF3F51BA10A}">
+      <p15:sldGuideLst xmlns:p15="http://schemas.microsoft.com/office/powerpoint/2012/main">
+        <p15:guide id="1" orient="horz" pos="2160">
+          <p15:clr>
+            <a:srgbClr val="A4A3A4"/>
+          </p15:clr>
+        </p15:guide>
+        <p15:guide id="2" pos="2880">
+          <p15:clr>
+            <a:srgbClr val="A4A3A4"/>
+          </p15:clr>
+        </p15:guide>
+      </p15:sldGuideLst>
+    </p:ext>
+  </p:extLst>
 </p:presentation>
 </file>
 
@@ -200,7 +216,7 @@
           <a:p>
             <a:fld id="{9961C1DC-04CF-9742-8797-72AE20C5BA57}" type="datetimeFigureOut">
               <a:rPr lang="en-US" smtClean="0"/>
-              <a:t>7/1/13</a:t>
+              <a:t>9/23/2020</a:t>
             </a:fld>
             <a:endParaRPr lang="en-US"/>
           </a:p>
@@ -327,7 +343,7 @@
           </a:lstStyle>
           <a:p>
             <a:r>
-              <a:rPr lang="en-US" smtClean="0"/>
+              <a:rPr lang="en-US"/>
               <a:t>Click to edit Master title style</a:t>
             </a:r>
             <a:endParaRPr lang="en-US" dirty="0"/>
@@ -447,7 +463,7 @@
           </a:lstStyle>
           <a:p>
             <a:r>
-              <a:rPr lang="en-US" smtClean="0"/>
+              <a:rPr lang="en-US"/>
               <a:t>Click to edit Master subtitle style</a:t>
             </a:r>
             <a:endParaRPr lang="en-US" dirty="0"/>
@@ -560,10 +576,9 @@
           <a:lstStyle/>
           <a:p>
             <a:r>
-              <a:rPr lang="en-US" smtClean="0"/>
+              <a:rPr lang="en-US"/>
               <a:t>Click to edit Master title style</a:t>
             </a:r>
-            <a:endParaRPr lang="en-US"/>
           </a:p>
         </p:txBody>
       </p:sp>
@@ -584,38 +599,37 @@
           <a:p>
             <a:pPr lvl="0"/>
             <a:r>
-              <a:rPr lang="en-US" smtClean="0"/>
+              <a:rPr lang="en-US"/>
               <a:t>Click to edit Master text styles</a:t>
             </a:r>
           </a:p>
           <a:p>
             <a:pPr lvl="1"/>
             <a:r>
-              <a:rPr lang="en-US" smtClean="0"/>
+              <a:rPr lang="en-US"/>
               <a:t>Second level</a:t>
             </a:r>
           </a:p>
           <a:p>
             <a:pPr lvl="2"/>
             <a:r>
-              <a:rPr lang="en-US" smtClean="0"/>
+              <a:rPr lang="en-US"/>
               <a:t>Third level</a:t>
             </a:r>
           </a:p>
           <a:p>
             <a:pPr lvl="3"/>
             <a:r>
-              <a:rPr lang="en-US" smtClean="0"/>
+              <a:rPr lang="en-US"/>
               <a:t>Fourth level</a:t>
             </a:r>
           </a:p>
           <a:p>
             <a:pPr lvl="4"/>
             <a:r>
-              <a:rPr lang="en-US" smtClean="0"/>
+              <a:rPr lang="en-US"/>
               <a:t>Fifth level</a:t>
             </a:r>
-            <a:endParaRPr lang="en-US"/>
           </a:p>
         </p:txBody>
       </p:sp>
@@ -653,10 +667,9 @@
           </a:lstStyle>
           <a:p>
             <a:r>
-              <a:rPr lang="en-US" dirty="0" smtClean="0"/>
+              <a:rPr lang="en-US" dirty="0"/>
               <a:t>©Concentrated Technology</a:t>
             </a:r>
-            <a:endParaRPr lang="en-US" dirty="0"/>
           </a:p>
         </p:txBody>
       </p:sp>
@@ -717,7 +730,7 @@
           </a:lstStyle>
           <a:p>
             <a:r>
-              <a:rPr lang="en-US" smtClean="0"/>
+              <a:rPr lang="en-US"/>
               <a:t>Click to edit Master title style</a:t>
             </a:r>
             <a:endParaRPr lang="en-US" dirty="0"/>
@@ -837,7 +850,7 @@
           <a:p>
             <a:pPr lvl="0"/>
             <a:r>
-              <a:rPr lang="en-US" smtClean="0"/>
+              <a:rPr lang="en-US"/>
               <a:t>Click to edit Master text styles</a:t>
             </a:r>
           </a:p>
@@ -912,10 +925,9 @@
           </a:lstStyle>
           <a:p>
             <a:r>
-              <a:rPr lang="en-US" dirty="0" smtClean="0"/>
+              <a:rPr lang="en-US" dirty="0"/>
               <a:t>©Concentrated Technology</a:t>
             </a:r>
-            <a:endParaRPr lang="en-US" dirty="0"/>
           </a:p>
         </p:txBody>
       </p:sp>
@@ -960,10 +972,9 @@
           <a:lstStyle/>
           <a:p>
             <a:r>
-              <a:rPr lang="en-US" smtClean="0"/>
+              <a:rPr lang="en-US"/>
               <a:t>Click to edit Master title style</a:t>
             </a:r>
-            <a:endParaRPr lang="en-US"/>
           </a:p>
         </p:txBody>
       </p:sp>
@@ -1017,35 +1028,35 @@
           <a:p>
             <a:pPr lvl="0"/>
             <a:r>
-              <a:rPr lang="en-US" smtClean="0"/>
+              <a:rPr lang="en-US"/>
               <a:t>Click to edit Master text styles</a:t>
             </a:r>
           </a:p>
           <a:p>
             <a:pPr lvl="1"/>
             <a:r>
-              <a:rPr lang="en-US" smtClean="0"/>
+              <a:rPr lang="en-US"/>
               <a:t>Second level</a:t>
             </a:r>
           </a:p>
           <a:p>
             <a:pPr lvl="2"/>
             <a:r>
-              <a:rPr lang="en-US" smtClean="0"/>
+              <a:rPr lang="en-US"/>
               <a:t>Third level</a:t>
             </a:r>
           </a:p>
           <a:p>
             <a:pPr lvl="3"/>
             <a:r>
-              <a:rPr lang="en-US" smtClean="0"/>
+              <a:rPr lang="en-US"/>
               <a:t>Fourth level</a:t>
             </a:r>
           </a:p>
           <a:p>
             <a:pPr lvl="4"/>
             <a:r>
-              <a:rPr lang="en-US" smtClean="0"/>
+              <a:rPr lang="en-US"/>
               <a:t>Fifth level</a:t>
             </a:r>
             <a:endParaRPr lang="en-US" dirty="0"/>
@@ -1102,35 +1113,35 @@
           <a:p>
             <a:pPr lvl="0"/>
             <a:r>
-              <a:rPr lang="en-US" smtClean="0"/>
+              <a:rPr lang="en-US"/>
               <a:t>Click to edit Master text styles</a:t>
             </a:r>
           </a:p>
           <a:p>
             <a:pPr lvl="1"/>
             <a:r>
-              <a:rPr lang="en-US" smtClean="0"/>
+              <a:rPr lang="en-US"/>
               <a:t>Second level</a:t>
             </a:r>
           </a:p>
           <a:p>
             <a:pPr lvl="2"/>
             <a:r>
-              <a:rPr lang="en-US" smtClean="0"/>
+              <a:rPr lang="en-US"/>
               <a:t>Third level</a:t>
             </a:r>
           </a:p>
           <a:p>
             <a:pPr lvl="3"/>
             <a:r>
-              <a:rPr lang="en-US" smtClean="0"/>
+              <a:rPr lang="en-US"/>
               <a:t>Fourth level</a:t>
             </a:r>
           </a:p>
           <a:p>
             <a:pPr lvl="4"/>
             <a:r>
-              <a:rPr lang="en-US" smtClean="0"/>
+              <a:rPr lang="en-US"/>
               <a:t>Fifth level</a:t>
             </a:r>
             <a:endParaRPr lang="en-US" dirty="0"/>
@@ -1171,10 +1182,9 @@
           </a:lstStyle>
           <a:p>
             <a:r>
-              <a:rPr lang="en-US" dirty="0" smtClean="0"/>
+              <a:rPr lang="en-US" dirty="0"/>
               <a:t>©Concentrated Technology</a:t>
             </a:r>
-            <a:endParaRPr lang="en-US" dirty="0"/>
           </a:p>
         </p:txBody>
       </p:sp>
@@ -1223,7 +1233,7 @@
           </a:lstStyle>
           <a:p>
             <a:r>
-              <a:rPr lang="en-US" smtClean="0"/>
+              <a:rPr lang="en-US"/>
               <a:t>Click to edit Master title style</a:t>
             </a:r>
             <a:endParaRPr lang="en-US" dirty="0"/>
@@ -1312,7 +1322,7 @@
           <a:p>
             <a:pPr lvl="0"/>
             <a:r>
-              <a:rPr lang="en-US" smtClean="0"/>
+              <a:rPr lang="en-US"/>
               <a:t>Click to edit Master text styles</a:t>
             </a:r>
           </a:p>
@@ -1368,35 +1378,35 @@
           <a:p>
             <a:pPr lvl="0"/>
             <a:r>
-              <a:rPr lang="en-US" smtClean="0"/>
+              <a:rPr lang="en-US"/>
               <a:t>Click to edit Master text styles</a:t>
             </a:r>
           </a:p>
           <a:p>
             <a:pPr lvl="1"/>
             <a:r>
-              <a:rPr lang="en-US" smtClean="0"/>
+              <a:rPr lang="en-US"/>
               <a:t>Second level</a:t>
             </a:r>
           </a:p>
           <a:p>
             <a:pPr lvl="2"/>
             <a:r>
-              <a:rPr lang="en-US" smtClean="0"/>
+              <a:rPr lang="en-US"/>
               <a:t>Third level</a:t>
             </a:r>
           </a:p>
           <a:p>
             <a:pPr lvl="3"/>
             <a:r>
-              <a:rPr lang="en-US" smtClean="0"/>
+              <a:rPr lang="en-US"/>
               <a:t>Fourth level</a:t>
             </a:r>
           </a:p>
           <a:p>
             <a:pPr lvl="4"/>
             <a:r>
-              <a:rPr lang="en-US" smtClean="0"/>
+              <a:rPr lang="en-US"/>
               <a:t>Fifth level</a:t>
             </a:r>
             <a:endParaRPr lang="en-US" dirty="0"/>
@@ -1488,7 +1498,7 @@
           <a:p>
             <a:pPr lvl="0"/>
             <a:r>
-              <a:rPr lang="en-US" smtClean="0"/>
+              <a:rPr lang="en-US"/>
               <a:t>Click to edit Master text styles</a:t>
             </a:r>
           </a:p>
@@ -1544,35 +1554,35 @@
           <a:p>
             <a:pPr lvl="0"/>
             <a:r>
-              <a:rPr lang="en-US" smtClean="0"/>
+              <a:rPr lang="en-US"/>
               <a:t>Click to edit Master text styles</a:t>
             </a:r>
           </a:p>
           <a:p>
             <a:pPr lvl="1"/>
             <a:r>
-              <a:rPr lang="en-US" smtClean="0"/>
+              <a:rPr lang="en-US"/>
               <a:t>Second level</a:t>
             </a:r>
           </a:p>
           <a:p>
             <a:pPr lvl="2"/>
             <a:r>
-              <a:rPr lang="en-US" smtClean="0"/>
+              <a:rPr lang="en-US"/>
               <a:t>Third level</a:t>
             </a:r>
           </a:p>
           <a:p>
             <a:pPr lvl="3"/>
             <a:r>
-              <a:rPr lang="en-US" smtClean="0"/>
+              <a:rPr lang="en-US"/>
               <a:t>Fourth level</a:t>
             </a:r>
           </a:p>
           <a:p>
             <a:pPr lvl="4"/>
             <a:r>
-              <a:rPr lang="en-US" smtClean="0"/>
+              <a:rPr lang="en-US"/>
               <a:t>Fifth level</a:t>
             </a:r>
             <a:endParaRPr lang="en-US" dirty="0"/>
@@ -1648,10 +1658,9 @@
           </a:lstStyle>
           <a:p>
             <a:r>
-              <a:rPr lang="en-US" dirty="0" smtClean="0"/>
+              <a:rPr lang="en-US" dirty="0"/>
               <a:t>©Concentrated Technology</a:t>
             </a:r>
-            <a:endParaRPr lang="en-US" dirty="0"/>
           </a:p>
         </p:txBody>
       </p:sp>
@@ -1696,10 +1705,9 @@
           <a:lstStyle/>
           <a:p>
             <a:r>
-              <a:rPr lang="en-US" smtClean="0"/>
+              <a:rPr lang="en-US"/>
               <a:t>Click to edit Master title style</a:t>
             </a:r>
-            <a:endParaRPr lang="en-US"/>
           </a:p>
         </p:txBody>
       </p:sp>
@@ -1737,10 +1745,9 @@
           </a:lstStyle>
           <a:p>
             <a:r>
-              <a:rPr lang="en-US" dirty="0" smtClean="0"/>
+              <a:rPr lang="en-US" dirty="0"/>
               <a:t>©Concentrated Technology</a:t>
             </a:r>
-            <a:endParaRPr lang="en-US" dirty="0"/>
           </a:p>
         </p:txBody>
       </p:sp>
@@ -1821,7 +1828,7 @@
           </a:lstStyle>
           <a:p>
             <a:r>
-              <a:rPr lang="en-US" smtClean="0"/>
+              <a:rPr lang="en-US"/>
               <a:t>Click to edit Master title style</a:t>
             </a:r>
             <a:endParaRPr lang="en-US" dirty="0"/>
@@ -1878,35 +1885,35 @@
           <a:p>
             <a:pPr lvl="0"/>
             <a:r>
-              <a:rPr lang="en-US" smtClean="0"/>
+              <a:rPr lang="en-US"/>
               <a:t>Click to edit Master text styles</a:t>
             </a:r>
           </a:p>
           <a:p>
             <a:pPr lvl="1"/>
             <a:r>
-              <a:rPr lang="en-US" smtClean="0"/>
+              <a:rPr lang="en-US"/>
               <a:t>Second level</a:t>
             </a:r>
           </a:p>
           <a:p>
             <a:pPr lvl="2"/>
             <a:r>
-              <a:rPr lang="en-US" smtClean="0"/>
+              <a:rPr lang="en-US"/>
               <a:t>Third level</a:t>
             </a:r>
           </a:p>
           <a:p>
             <a:pPr lvl="3"/>
             <a:r>
-              <a:rPr lang="en-US" smtClean="0"/>
+              <a:rPr lang="en-US"/>
               <a:t>Fourth level</a:t>
             </a:r>
           </a:p>
           <a:p>
             <a:pPr lvl="4"/>
             <a:r>
-              <a:rPr lang="en-US" smtClean="0"/>
+              <a:rPr lang="en-US"/>
               <a:t>Fifth level</a:t>
             </a:r>
             <a:endParaRPr lang="en-US" dirty="0"/>
@@ -1972,7 +1979,7 @@
           <a:p>
             <a:pPr lvl="0"/>
             <a:r>
-              <a:rPr lang="en-US" smtClean="0"/>
+              <a:rPr lang="en-US"/>
               <a:t>Click to edit Master text styles</a:t>
             </a:r>
           </a:p>
@@ -2047,10 +2054,9 @@
           </a:lstStyle>
           <a:p>
             <a:r>
-              <a:rPr lang="en-US" dirty="0" smtClean="0"/>
+              <a:rPr lang="en-US" dirty="0"/>
               <a:t>©Concentrated Technology</a:t>
             </a:r>
-            <a:endParaRPr lang="en-US" dirty="0"/>
           </a:p>
         </p:txBody>
       </p:sp>
@@ -2106,7 +2112,7 @@
           </a:lstStyle>
           <a:p>
             <a:r>
-              <a:rPr lang="en-US" smtClean="0"/>
+              <a:rPr lang="en-US"/>
               <a:t>Click to edit Master title style</a:t>
             </a:r>
             <a:endParaRPr lang="en-US" dirty="0"/>
@@ -2187,7 +2193,7 @@
           </a:lstStyle>
           <a:p>
             <a:r>
-              <a:rPr lang="en-US" smtClean="0"/>
+              <a:rPr lang="en-US"/>
               <a:t>Drag picture to placeholder or click icon to add</a:t>
             </a:r>
             <a:endParaRPr lang="en-US" dirty="0"/>
@@ -2253,7 +2259,7 @@
           <a:p>
             <a:pPr lvl="0"/>
             <a:r>
-              <a:rPr lang="en-US" smtClean="0"/>
+              <a:rPr lang="en-US"/>
               <a:t>Click to edit Master text styles</a:t>
             </a:r>
           </a:p>
@@ -2293,10 +2299,9 @@
           </a:lstStyle>
           <a:p>
             <a:r>
-              <a:rPr lang="en-US" dirty="0" smtClean="0"/>
+              <a:rPr lang="en-US" dirty="0"/>
               <a:t>©Concentrated Technology</a:t>
             </a:r>
-            <a:endParaRPr lang="en-US" dirty="0"/>
           </a:p>
         </p:txBody>
       </p:sp>
@@ -2402,7 +2407,7 @@
           <a:lstStyle/>
           <a:p>
             <a:r>
-              <a:rPr lang="en-US" smtClean="0"/>
+              <a:rPr lang="en-US"/>
               <a:t>Click to edit Master title style</a:t>
             </a:r>
             <a:endParaRPr lang="en-US" dirty="0"/>
@@ -2436,35 +2441,35 @@
           <a:p>
             <a:pPr lvl="0"/>
             <a:r>
-              <a:rPr lang="en-US" smtClean="0"/>
+              <a:rPr lang="en-US"/>
               <a:t>Click to edit Master text styles</a:t>
             </a:r>
           </a:p>
           <a:p>
             <a:pPr lvl="1"/>
             <a:r>
-              <a:rPr lang="en-US" smtClean="0"/>
+              <a:rPr lang="en-US"/>
               <a:t>Second level</a:t>
             </a:r>
           </a:p>
           <a:p>
             <a:pPr lvl="2"/>
             <a:r>
-              <a:rPr lang="en-US" smtClean="0"/>
+              <a:rPr lang="en-US"/>
               <a:t>Third level</a:t>
             </a:r>
           </a:p>
           <a:p>
             <a:pPr lvl="3"/>
             <a:r>
-              <a:rPr lang="en-US" smtClean="0"/>
+              <a:rPr lang="en-US"/>
               <a:t>Fourth level</a:t>
             </a:r>
           </a:p>
           <a:p>
             <a:pPr lvl="4"/>
             <a:r>
-              <a:rPr lang="en-US" smtClean="0"/>
+              <a:rPr lang="en-US"/>
               <a:t>Fifth level</a:t>
             </a:r>
             <a:endParaRPr lang="en-US" dirty="0"/>
@@ -2551,10 +2556,9 @@
           </a:lstStyle>
           <a:p>
             <a:r>
-              <a:rPr lang="en-US" dirty="0" smtClean="0"/>
+              <a:rPr lang="en-US" dirty="0"/>
               <a:t>©Concentrated Technology</a:t>
             </a:r>
-            <a:endParaRPr lang="en-US" dirty="0"/>
           </a:p>
         </p:txBody>
       </p:sp>
@@ -2894,10 +2898,9 @@
           <a:lstStyle/>
           <a:p>
             <a:r>
-              <a:rPr lang="en-US" dirty="0" smtClean="0"/>
+              <a:rPr lang="en-US" dirty="0"/>
               <a:t>Script Debugging</a:t>
             </a:r>
-            <a:endParaRPr lang="en-US" dirty="0"/>
           </a:p>
         </p:txBody>
       </p:sp>
@@ -2922,10 +2925,9 @@
           <a:lstStyle/>
           <a:p>
             <a:r>
-              <a:rPr lang="en-US" dirty="0" smtClean="0"/>
+              <a:rPr lang="en-US" dirty="0"/>
               <a:t>Module 07</a:t>
             </a:r>
-            <a:endParaRPr lang="en-US" dirty="0"/>
           </a:p>
         </p:txBody>
       </p:sp>
@@ -2975,10 +2977,9 @@
           <a:lstStyle/>
           <a:p>
             <a:r>
-              <a:rPr lang="en-US" dirty="0" smtClean="0"/>
+              <a:rPr lang="en-US" dirty="0"/>
               <a:t>Designing For Debugging</a:t>
             </a:r>
-            <a:endParaRPr lang="en-US" dirty="0"/>
           </a:p>
         </p:txBody>
       </p:sp>
@@ -2998,10 +2999,9 @@
           <a:lstStyle/>
           <a:p>
             <a:r>
-              <a:rPr lang="en-US" dirty="0" smtClean="0"/>
+              <a:rPr lang="en-US" dirty="0"/>
               <a:t>Lesson 1</a:t>
             </a:r>
-            <a:endParaRPr lang="en-US" dirty="0"/>
           </a:p>
         </p:txBody>
       </p:sp>
@@ -3051,10 +3051,9 @@
           <a:lstStyle/>
           <a:p>
             <a:r>
-              <a:rPr lang="en-US" dirty="0" smtClean="0"/>
+              <a:rPr lang="en-US" dirty="0"/>
               <a:t>Solving typos</a:t>
             </a:r>
-            <a:endParaRPr lang="en-US" dirty="0"/>
           </a:p>
         </p:txBody>
       </p:sp>
@@ -3074,7 +3073,7 @@
           <a:lstStyle/>
           <a:p>
             <a:r>
-              <a:rPr lang="en-US" dirty="0" smtClean="0"/>
+              <a:rPr lang="en-US" dirty="0"/>
               <a:t>Easy to solve if:</a:t>
             </a:r>
           </a:p>
@@ -3085,17 +3084,8 @@
             </a:pPr>
             <a:r>
               <a:rPr lang="en-US" dirty="0"/>
-              <a:t>Y</a:t>
-            </a:r>
-            <a:r>
-              <a:rPr lang="en-US" dirty="0" smtClean="0"/>
-              <a:t>ou’re </a:t>
-            </a:r>
-            <a:r>
-              <a:rPr lang="en-US" dirty="0"/>
-              <a:t>formatting your scripts carefully. </a:t>
-            </a:r>
-            <a:endParaRPr lang="en-US" dirty="0" smtClean="0"/>
+              <a:t>You’re formatting your scripts carefully. </a:t>
+            </a:r>
           </a:p>
           <a:p>
             <a:pPr marL="457200" indent="-457200">
@@ -3104,19 +3094,7 @@
             </a:pPr>
             <a:r>
               <a:rPr lang="en-US" dirty="0"/>
-              <a:t>Get to know your script editing </a:t>
-            </a:r>
-            <a:r>
-              <a:rPr lang="en-US" dirty="0" smtClean="0"/>
-              <a:t>software and get </a:t>
-            </a:r>
-            <a:r>
-              <a:rPr lang="en-US" dirty="0"/>
-              <a:t>used to its colors, its error indicators, its display </a:t>
-            </a:r>
-            <a:r>
-              <a:rPr lang="en-US" dirty="0" smtClean="0"/>
-              <a:t>options. </a:t>
+              <a:t>Get to know your script editing software and get used to its colors, its error indicators, its display options. </a:t>
             </a:r>
           </a:p>
           <a:p>
@@ -3128,7 +3106,6 @@
               <a:rPr lang="en-US" dirty="0"/>
               <a:t>Indent code within curly brackets {} and parentheses (), and put the closing bracket (or parentheses) at the same indent level as the line that opened the construct. </a:t>
             </a:r>
-            <a:endParaRPr lang="en-US" dirty="0" smtClean="0"/>
           </a:p>
           <a:p>
             <a:pPr marL="457200" indent="-457200">
@@ -3137,15 +3114,7 @@
             </a:pPr>
             <a:r>
               <a:rPr lang="en-US" dirty="0"/>
-              <a:t>Read </a:t>
-            </a:r>
-            <a:r>
-              <a:rPr lang="en-US" dirty="0" smtClean="0"/>
-              <a:t>the error </a:t>
-            </a:r>
-            <a:r>
-              <a:rPr lang="en-US" dirty="0"/>
-              <a:t>messages. </a:t>
+              <a:t>Read the error messages. </a:t>
             </a:r>
           </a:p>
         </p:txBody>
@@ -3198,17 +3167,16 @@
           <a:lstStyle/>
           <a:p>
             <a:r>
-              <a:rPr lang="en-US" dirty="0" smtClean="0"/>
+              <a:rPr lang="en-US" dirty="0"/>
               <a:t>The real trick to debugging: </a:t>
             </a:r>
             <a:br>
-              <a:rPr lang="en-US" dirty="0" smtClean="0"/>
+              <a:rPr lang="en-US" dirty="0"/>
             </a:br>
             <a:r>
-              <a:rPr lang="en-US" dirty="0" smtClean="0"/>
+              <a:rPr lang="en-US" dirty="0"/>
               <a:t>expectations</a:t>
             </a:r>
-            <a:endParaRPr lang="en-US" dirty="0"/>
           </a:p>
         </p:txBody>
       </p:sp>
@@ -3229,45 +3197,21 @@
           <a:p>
             <a:r>
               <a:rPr lang="en-US" dirty="0"/>
-              <a:t>Y</a:t>
-            </a:r>
-            <a:r>
-              <a:rPr lang="en-US" dirty="0" smtClean="0"/>
-              <a:t>ou </a:t>
-            </a:r>
-            <a:r>
-              <a:rPr lang="en-US" i="1" dirty="0" smtClean="0"/>
-              <a:t>have </a:t>
+              <a:t>You </a:t>
             </a:r>
             <a:r>
               <a:rPr lang="en-US" i="1" dirty="0"/>
-              <a:t>to have an expectation</a:t>
-            </a:r>
-            <a:r>
-              <a:rPr lang="en-US" dirty="0"/>
-              <a:t> for what each line of your script will </a:t>
-            </a:r>
-            <a:r>
-              <a:rPr lang="en-US" dirty="0" smtClean="0"/>
-              <a:t>do.</a:t>
-            </a:r>
-          </a:p>
-          <a:p>
-            <a:r>
-              <a:rPr lang="en-US" dirty="0" smtClean="0"/>
-              <a:t> </a:t>
-            </a:r>
-            <a:r>
-              <a:rPr lang="en-US" dirty="0"/>
-              <a:t>Y</a:t>
-            </a:r>
-            <a:r>
-              <a:rPr lang="en-US" dirty="0" smtClean="0"/>
-              <a:t>ou </a:t>
-            </a:r>
-            <a:r>
-              <a:rPr lang="en-US" dirty="0"/>
-              <a:t>have to be able to </a:t>
+              <a:t>have to have an expectation</a:t>
+            </a:r>
+            <a:r>
+              <a:rPr lang="en-US" dirty="0"/>
+              <a:t> for what each line of your script will do.</a:t>
+            </a:r>
+          </a:p>
+          <a:p>
+            <a:r>
+              <a:rPr lang="en-US" dirty="0"/>
+              <a:t> You have to be able to </a:t>
             </a:r>
             <a:r>
               <a:rPr lang="en-US" i="1" dirty="0"/>
@@ -3277,14 +3221,12 @@
               <a:rPr lang="en-US" dirty="0"/>
               <a:t> those expectations. </a:t>
             </a:r>
-            <a:endParaRPr lang="en-US" dirty="0" smtClean="0"/>
-          </a:p>
-          <a:p>
-            <a:r>
-              <a:rPr lang="en-US" dirty="0" smtClean="0"/>
+          </a:p>
+          <a:p>
+            <a:r>
+              <a:rPr lang="en-US" dirty="0"/>
               <a:t>Read the error messages</a:t>
             </a:r>
-            <a:endParaRPr lang="en-US" dirty="0"/>
           </a:p>
         </p:txBody>
       </p:sp>
@@ -3366,17 +3308,16 @@
           <a:lstStyle/>
           <a:p>
             <a:r>
-              <a:rPr lang="en-US" dirty="0" smtClean="0"/>
+              <a:rPr lang="en-US" dirty="0"/>
               <a:t>Dealing with logic errors: </a:t>
             </a:r>
             <a:br>
-              <a:rPr lang="en-US" dirty="0" smtClean="0"/>
+              <a:rPr lang="en-US" dirty="0"/>
             </a:br>
             <a:r>
-              <a:rPr lang="en-US" dirty="0" smtClean="0"/>
+              <a:rPr lang="en-US" dirty="0"/>
               <a:t>trace code</a:t>
             </a:r>
-            <a:endParaRPr lang="en-US" dirty="0"/>
           </a:p>
         </p:txBody>
       </p:sp>
@@ -3397,63 +3338,22 @@
           <a:p>
             <a:r>
               <a:rPr lang="en-US" i="1" dirty="0"/>
-              <a:t>T</a:t>
-            </a:r>
-            <a:r>
-              <a:rPr lang="en-US" i="1" dirty="0" smtClean="0"/>
-              <a:t>race </a:t>
-            </a:r>
-            <a:r>
-              <a:rPr lang="en-US" i="1" dirty="0"/>
-              <a:t>code</a:t>
-            </a:r>
-            <a:r>
-              <a:rPr lang="en-US" dirty="0"/>
-              <a:t> </a:t>
-            </a:r>
-            <a:r>
-              <a:rPr lang="en-US" dirty="0" smtClean="0"/>
-              <a:t>lets </a:t>
-            </a:r>
-            <a:r>
-              <a:rPr lang="en-US" dirty="0"/>
-              <a:t>you output some internal details </a:t>
-            </a:r>
-            <a:r>
-              <a:rPr lang="en-US" dirty="0" smtClean="0"/>
-              <a:t>about </a:t>
-            </a:r>
-            <a:r>
-              <a:rPr lang="en-US" dirty="0"/>
-              <a:t>your </a:t>
-            </a:r>
-            <a:r>
-              <a:rPr lang="en-US" dirty="0" smtClean="0"/>
-              <a:t>script.</a:t>
-            </a:r>
-          </a:p>
-          <a:p>
-            <a:r>
-              <a:rPr lang="en-US" dirty="0" smtClean="0"/>
-              <a:t> </a:t>
-            </a:r>
-            <a:r>
-              <a:rPr lang="en-US" dirty="0"/>
-              <a:t>PowerShell </a:t>
-            </a:r>
-            <a:r>
-              <a:rPr lang="en-US" dirty="0" smtClean="0"/>
-              <a:t>implements trace code in </a:t>
-            </a:r>
-            <a:r>
-              <a:rPr lang="en-US" dirty="0"/>
-              <a:t>a way that means you don’t have to go back later and remove, or comment out, the trace code commands. </a:t>
-            </a:r>
-            <a:endParaRPr lang="en-US" dirty="0" smtClean="0"/>
-          </a:p>
-          <a:p>
-            <a:r>
-              <a:rPr lang="en-US" dirty="0" smtClean="0"/>
+              <a:t>Trace code</a:t>
+            </a:r>
+            <a:r>
+              <a:rPr lang="en-US" dirty="0"/>
+              <a:t> lets you output some internal details about your script.</a:t>
+            </a:r>
+          </a:p>
+          <a:p>
+            <a:r>
+              <a:rPr lang="en-US" dirty="0"/>
+              <a:t> PowerShell implements trace code in a way that means you don’t have to go back later and remove, or comment out, the trace code commands. </a:t>
+            </a:r>
+          </a:p>
+          <a:p>
+            <a:r>
+              <a:rPr lang="en-US" dirty="0"/>
               <a:t>Write-Debug</a:t>
             </a:r>
           </a:p>
@@ -3543,17 +3443,16 @@
           <a:lstStyle/>
           <a:p>
             <a:r>
-              <a:rPr lang="en-US" dirty="0" smtClean="0"/>
+              <a:rPr lang="en-US" dirty="0"/>
               <a:t>Dealing with logic errors:</a:t>
             </a:r>
             <a:br>
-              <a:rPr lang="en-US" dirty="0" smtClean="0"/>
+              <a:rPr lang="en-US" dirty="0"/>
             </a:br>
             <a:r>
-              <a:rPr lang="en-US" dirty="0" smtClean="0"/>
+              <a:rPr lang="en-US" dirty="0"/>
               <a:t>breakpoints</a:t>
             </a:r>
-            <a:endParaRPr lang="en-US" dirty="0"/>
           </a:p>
         </p:txBody>
       </p:sp>
@@ -3574,15 +3473,7 @@
           <a:p>
             <a:r>
               <a:rPr lang="en-US" dirty="0"/>
-              <a:t>PowerShell </a:t>
-            </a:r>
-            <a:r>
-              <a:rPr lang="en-US" dirty="0" smtClean="0"/>
-              <a:t>supports </a:t>
-            </a:r>
-            <a:r>
-              <a:rPr lang="en-US" dirty="0"/>
-              <a:t>a more dynamic form of breakpoint, called a </a:t>
+              <a:t>PowerShell supports a more dynamic form of breakpoint, called a </a:t>
             </a:r>
             <a:r>
               <a:rPr lang="en-US" dirty="0" err="1"/>
@@ -3592,7 +3483,6 @@
               <a:rPr lang="en-US" dirty="0"/>
               <a:t>. </a:t>
             </a:r>
-            <a:endParaRPr lang="en-US" dirty="0" smtClean="0"/>
           </a:p>
           <a:p>
             <a:r>
@@ -3608,44 +3498,24 @@
               <a:t> by running Set-</a:t>
             </a:r>
             <a:r>
-              <a:rPr lang="en-US" dirty="0" err="1" smtClean="0"/>
+              <a:rPr lang="en-US" dirty="0" err="1"/>
               <a:t>PSBreakpoint</a:t>
             </a:r>
             <a:r>
-              <a:rPr lang="en-US" dirty="0" smtClean="0"/>
+              <a:rPr lang="en-US" dirty="0"/>
               <a:t>.</a:t>
             </a:r>
           </a:p>
           <a:p>
             <a:r>
-              <a:rPr lang="en-US" dirty="0" smtClean="0"/>
-              <a:t> </a:t>
-            </a:r>
-            <a:r>
-              <a:rPr lang="en-US" dirty="0"/>
-              <a:t>Using parameters of that command, you tell PowerShell what script the breakpoint goes </a:t>
-            </a:r>
-            <a:r>
-              <a:rPr lang="en-US" dirty="0" smtClean="0"/>
-              <a:t>with.</a:t>
-            </a:r>
-          </a:p>
-          <a:p>
-            <a:r>
-              <a:rPr lang="en-US" dirty="0" smtClean="0"/>
-              <a:t> </a:t>
-            </a:r>
-            <a:r>
-              <a:rPr lang="en-US" dirty="0"/>
-              <a:t>Your choices </a:t>
-            </a:r>
-            <a:r>
-              <a:rPr lang="en-US" dirty="0" smtClean="0"/>
-              <a:t>of triggers include </a:t>
-            </a:r>
-            <a:r>
-              <a:rPr lang="en-US" dirty="0"/>
-              <a:t>the following:</a:t>
+              <a:rPr lang="en-US" dirty="0"/>
+              <a:t> Using parameters of that command, you tell PowerShell what script the breakpoint goes with.</a:t>
+            </a:r>
+          </a:p>
+          <a:p>
+            <a:r>
+              <a:rPr lang="en-US" dirty="0"/>
+              <a:t> Your choices of triggers include the following:</a:t>
             </a:r>
           </a:p>
           <a:p>
@@ -3751,10 +3621,9 @@
           <a:p>
             <a:pPr algn="ctr"/>
             <a:r>
-              <a:rPr lang="en-US" dirty="0" smtClean="0"/>
+              <a:rPr lang="en-US" dirty="0"/>
               <a:t>Lab A</a:t>
             </a:r>
-            <a:endParaRPr lang="en-US" dirty="0"/>
           </a:p>
         </p:txBody>
       </p:sp>
@@ -3800,7 +3669,7 @@
           <a:p>
             <a:pPr algn="ctr"/>
             <a:r>
-              <a:rPr lang="en-US" dirty="0" smtClean="0"/>
+              <a:rPr lang="en-US" dirty="0"/>
               <a:t>15 Minutes</a:t>
             </a:r>
           </a:p>
@@ -3811,21 +3680,21 @@
           <a:p>
             <a:pPr algn="ctr"/>
             <a:r>
-              <a:rPr lang="en-US" b="1" dirty="0" smtClean="0"/>
+              <a:rPr lang="en-US" b="1" dirty="0"/>
               <a:t>CLIENT</a:t>
             </a:r>
           </a:p>
           <a:p>
             <a:pPr algn="ctr"/>
             <a:r>
-              <a:rPr lang="en-US" b="1" dirty="0" smtClean="0"/>
+              <a:rPr lang="en-US" b="1" dirty="0"/>
               <a:t>MEMBER</a:t>
             </a:r>
           </a:p>
           <a:p>
             <a:pPr algn="ctr"/>
             <a:r>
-              <a:rPr lang="en-US" b="1" dirty="0" smtClean="0"/>
+              <a:rPr lang="en-US" b="1" dirty="0"/>
               <a:t>DC</a:t>
             </a:r>
           </a:p>
@@ -3836,17 +3705,16 @@
           <a:p>
             <a:pPr algn="ctr"/>
             <a:r>
-              <a:rPr lang="en-US" b="1" dirty="0" smtClean="0"/>
+              <a:rPr lang="en-US" b="1" dirty="0"/>
               <a:t>Administrator</a:t>
             </a:r>
             <a:br>
-              <a:rPr lang="en-US" b="1" dirty="0" smtClean="0"/>
+              <a:rPr lang="en-US" b="1" dirty="0"/>
             </a:br>
             <a:r>
-              <a:rPr lang="en-US" b="1" dirty="0" smtClean="0"/>
+              <a:rPr lang="en-US" b="1" dirty="0"/>
               <a:t>P@ssw0rd</a:t>
             </a:r>
-            <a:endParaRPr lang="en-US" b="1" dirty="0"/>
           </a:p>
         </p:txBody>
       </p:sp>
@@ -3927,7 +3795,7 @@
           <a:p>
             <a:pPr algn="ctr"/>
             <a:r>
-              <a:rPr lang="en-US" smtClean="0"/>
+              <a:rPr lang="en-US"/>
               <a:t>Lab B</a:t>
             </a:r>
             <a:endParaRPr lang="en-US" dirty="0"/>
@@ -3976,7 +3844,7 @@
           <a:p>
             <a:pPr algn="ctr"/>
             <a:r>
-              <a:rPr lang="en-US" dirty="0" smtClean="0"/>
+              <a:rPr lang="en-US" dirty="0"/>
               <a:t>45 Minutes</a:t>
             </a:r>
           </a:p>
@@ -3987,21 +3855,21 @@
           <a:p>
             <a:pPr algn="ctr"/>
             <a:r>
-              <a:rPr lang="en-US" b="1" dirty="0" smtClean="0"/>
+              <a:rPr lang="en-US" b="1" dirty="0"/>
               <a:t>CLIENT</a:t>
             </a:r>
           </a:p>
           <a:p>
             <a:pPr algn="ctr"/>
             <a:r>
-              <a:rPr lang="en-US" b="1" dirty="0" smtClean="0"/>
+              <a:rPr lang="en-US" b="1" dirty="0"/>
               <a:t>MEMBER</a:t>
             </a:r>
           </a:p>
           <a:p>
             <a:pPr algn="ctr"/>
             <a:r>
-              <a:rPr lang="en-US" b="1" dirty="0" smtClean="0"/>
+              <a:rPr lang="en-US" b="1" dirty="0"/>
               <a:t>DC</a:t>
             </a:r>
           </a:p>
@@ -4012,17 +3880,16 @@
           <a:p>
             <a:pPr algn="ctr"/>
             <a:r>
-              <a:rPr lang="en-US" b="1" dirty="0" smtClean="0"/>
+              <a:rPr lang="en-US" b="1" dirty="0"/>
               <a:t>Administrator</a:t>
             </a:r>
             <a:br>
-              <a:rPr lang="en-US" b="1" dirty="0" smtClean="0"/>
+              <a:rPr lang="en-US" b="1" dirty="0"/>
             </a:br>
             <a:r>
-              <a:rPr lang="en-US" b="1" dirty="0" smtClean="0"/>
+              <a:rPr lang="en-US" b="1" dirty="0"/>
               <a:t>P@ssw0rd</a:t>
             </a:r>
-            <a:endParaRPr lang="en-US" b="1" dirty="0"/>
           </a:p>
         </p:txBody>
       </p:sp>
@@ -4102,10 +3969,9 @@
           <a:lstStyle/>
           <a:p>
             <a:r>
-              <a:rPr lang="en-US" dirty="0" smtClean="0"/>
+              <a:rPr lang="en-US" dirty="0"/>
               <a:t>Conclusion</a:t>
             </a:r>
-            <a:endParaRPr lang="en-US" dirty="0"/>
           </a:p>
         </p:txBody>
       </p:sp>
@@ -4130,16 +3996,12 @@
             </a:r>
             <a:r>
               <a:rPr lang="en-US"/>
-              <a:t>inevitable</a:t>
-            </a:r>
-            <a:r>
-              <a:rPr lang="en-US" smtClean="0"/>
-              <a:t>.</a:t>
-            </a:r>
-          </a:p>
-          <a:p>
-            <a:r>
-              <a:rPr lang="en-US" smtClean="0"/>
+              <a:t>inevitable.</a:t>
+            </a:r>
+          </a:p>
+          <a:p>
+            <a:r>
+              <a:rPr lang="en-US"/>
               <a:t> </a:t>
             </a:r>
             <a:r>

--- a/Powerpoint/Module07-Debugging.pptx
+++ b/Powerpoint/Module07-Debugging.pptx
@@ -216,7 +216,7 @@
           <a:p>
             <a:fld id="{9961C1DC-04CF-9742-8797-72AE20C5BA57}" type="datetimeFigureOut">
               <a:rPr lang="en-US" smtClean="0"/>
-              <a:t>9/23/2020</a:t>
+              <a:t>10/21/2020</a:t>
             </a:fld>
             <a:endParaRPr lang="en-US"/>
           </a:p>
@@ -3210,8 +3210,12 @@
           </a:p>
           <a:p>
             <a:r>
-              <a:rPr lang="en-US" dirty="0"/>
-              <a:t> You have to be able to </a:t>
+              <a:rPr lang="en-US"/>
+              <a:t>You </a:t>
+            </a:r>
+            <a:r>
+              <a:rPr lang="en-US" dirty="0"/>
+              <a:t>have to be able to </a:t>
             </a:r>
             <a:r>
               <a:rPr lang="en-US" i="1" dirty="0"/>
